--- a/dag1/presentation/cursus_python_voor_ontwikkelaars.pptx
+++ b/dag1/presentation/cursus_python_voor_ontwikkelaars.pptx
@@ -6,10 +6,10 @@
     <p:sldMasterId id="2147483660" r:id="rId2"/>
   </p:sldMasterIdLst>
   <p:notesMasterIdLst>
-    <p:notesMasterId r:id="rId24"/>
+    <p:notesMasterId r:id="rId25"/>
   </p:notesMasterIdLst>
   <p:handoutMasterIdLst>
-    <p:handoutMasterId r:id="rId25"/>
+    <p:handoutMasterId r:id="rId26"/>
   </p:handoutMasterIdLst>
   <p:sldIdLst>
     <p:sldId id="350" r:id="rId3"/>
@@ -18,21 +18,22 @@
     <p:sldId id="358" r:id="rId6"/>
     <p:sldId id="355" r:id="rId7"/>
     <p:sldId id="357" r:id="rId8"/>
-    <p:sldId id="361" r:id="rId9"/>
-    <p:sldId id="362" r:id="rId10"/>
-    <p:sldId id="363" r:id="rId11"/>
-    <p:sldId id="364" r:id="rId12"/>
-    <p:sldId id="374" r:id="rId13"/>
-    <p:sldId id="367" r:id="rId14"/>
-    <p:sldId id="370" r:id="rId15"/>
-    <p:sldId id="366" r:id="rId16"/>
-    <p:sldId id="371" r:id="rId17"/>
-    <p:sldId id="368" r:id="rId18"/>
-    <p:sldId id="372" r:id="rId19"/>
-    <p:sldId id="369" r:id="rId20"/>
-    <p:sldId id="373" r:id="rId21"/>
-    <p:sldId id="359" r:id="rId22"/>
-    <p:sldId id="360" r:id="rId23"/>
+    <p:sldId id="375" r:id="rId9"/>
+    <p:sldId id="361" r:id="rId10"/>
+    <p:sldId id="362" r:id="rId11"/>
+    <p:sldId id="363" r:id="rId12"/>
+    <p:sldId id="364" r:id="rId13"/>
+    <p:sldId id="374" r:id="rId14"/>
+    <p:sldId id="367" r:id="rId15"/>
+    <p:sldId id="370" r:id="rId16"/>
+    <p:sldId id="366" r:id="rId17"/>
+    <p:sldId id="371" r:id="rId18"/>
+    <p:sldId id="368" r:id="rId19"/>
+    <p:sldId id="372" r:id="rId20"/>
+    <p:sldId id="369" r:id="rId21"/>
+    <p:sldId id="373" r:id="rId22"/>
+    <p:sldId id="359" r:id="rId23"/>
+    <p:sldId id="360" r:id="rId24"/>
   </p:sldIdLst>
   <p:sldSz cx="9144000" cy="5143500" type="screen16x9"/>
   <p:notesSz cx="9855200" cy="6731000"/>
@@ -133,7 +134,7 @@
   </p:defaultTextStyle>
   <p:extLst>
     <p:ext uri="{EFAFB233-063F-42B5-8137-9DF3F51BA10A}">
-      <p15:sldGuideLst xmlns="" xmlns:p15="http://schemas.microsoft.com/office/powerpoint/2012/main">
+      <p15:sldGuideLst xmlns:p15="http://schemas.microsoft.com/office/powerpoint/2012/main" xmlns="">
         <p15:guide id="2" pos="18596" userDrawn="1">
           <p15:clr>
             <a:srgbClr val="A4A3A4"/>
@@ -4959,7 +4960,7 @@
   </p:timing>
   <p:extLst>
     <p:ext uri="{DCECCB84-F9BA-43D5-87BE-67443E8EF086}">
-      <p15:sldGuideLst xmlns="" xmlns:p15="http://schemas.microsoft.com/office/powerpoint/2012/main">
+      <p15:sldGuideLst xmlns:p15="http://schemas.microsoft.com/office/powerpoint/2012/main" xmlns="">
         <p15:guide id="1" pos="748" userDrawn="1">
           <p15:clr>
             <a:srgbClr val="FBAE40"/>
@@ -7213,30 +7214,166 @@
       </p:grpSpPr>
       <p:sp>
         <p:nvSpPr>
-          <p:cNvPr id="3" name="Tijdelijke aanduiding voor inhoud 2"/>
-          <p:cNvSpPr>
-            <a:spLocks noGrp="1"/>
-          </p:cNvSpPr>
-          <p:nvPr>
-            <p:ph sz="half" idx="1"/>
+          <p:cNvPr id="2" name="Titel 1"/>
+          <p:cNvSpPr>
+            <a:spLocks noGrp="1"/>
+          </p:cNvSpPr>
+          <p:nvPr>
+            <p:ph type="title"/>
           </p:nvPr>
         </p:nvSpPr>
         <p:spPr>
           <a:xfrm>
-            <a:off x="-1937689" y="1826150"/>
-            <a:ext cx="13209588" cy="8218884"/>
+            <a:off x="1073425" y="205979"/>
+            <a:ext cx="7613375" cy="533695"/>
           </a:xfrm>
         </p:spPr>
         <p:txBody>
           <a:bodyPr/>
           <a:lstStyle/>
           <a:p>
-            <a:pPr algn="ctr"/>
+            <a:r>
+              <a:rPr lang="nl-NL" dirty="0" err="1" smtClean="0"/>
+              <a:t>Jupyter</a:t>
+            </a:r>
             <a:r>
               <a:rPr lang="nl-NL" dirty="0" smtClean="0"/>
-              <a:t>Python basics Demo</a:t>
+              <a:t> notebook</a:t>
             </a:r>
             <a:endParaRPr lang="en-GB" dirty="0"/>
+          </a:p>
+        </p:txBody>
+      </p:sp>
+      <p:sp>
+        <p:nvSpPr>
+          <p:cNvPr id="3" name="Tijdelijke aanduiding voor inhoud 2"/>
+          <p:cNvSpPr>
+            <a:spLocks noGrp="1"/>
+          </p:cNvSpPr>
+          <p:nvPr>
+            <p:ph sz="half" idx="1"/>
+          </p:nvPr>
+        </p:nvSpPr>
+        <p:spPr>
+          <a:xfrm>
+            <a:off x="1021008" y="812448"/>
+            <a:ext cx="7884200" cy="3520760"/>
+          </a:xfrm>
+        </p:spPr>
+        <p:txBody>
+          <a:bodyPr/>
+          <a:lstStyle/>
+          <a:p>
+            <a:r>
+              <a:rPr lang="nl-NL" sz="2400" dirty="0" err="1" smtClean="0"/>
+              <a:t>Jupyter</a:t>
+            </a:r>
+            <a:r>
+              <a:rPr lang="nl-NL" sz="2400" dirty="0" smtClean="0"/>
+              <a:t> notebook = interactieve Python code editor</a:t>
+            </a:r>
+          </a:p>
+          <a:p>
+            <a:endParaRPr lang="nl-NL" sz="2400" dirty="0" smtClean="0"/>
+          </a:p>
+          <a:p>
+            <a:pPr marL="457200" indent="-457200">
+              <a:buFont typeface="+mj-lt"/>
+              <a:buAutoNum type="arabicPeriod"/>
+            </a:pPr>
+            <a:r>
+              <a:rPr lang="nl-NL" sz="2400" dirty="0" smtClean="0"/>
+              <a:t>Open een </a:t>
+            </a:r>
+            <a:r>
+              <a:rPr lang="nl-NL" sz="2400" dirty="0" err="1" smtClean="0"/>
+              <a:t>command</a:t>
+            </a:r>
+            <a:r>
+              <a:rPr lang="nl-NL" sz="2400" dirty="0" smtClean="0"/>
+              <a:t> prompt</a:t>
+            </a:r>
+          </a:p>
+          <a:p>
+            <a:pPr marL="457200" indent="-457200">
+              <a:buFont typeface="+mj-lt"/>
+              <a:buAutoNum type="arabicPeriod"/>
+            </a:pPr>
+            <a:r>
+              <a:rPr lang="nl-NL" sz="2400" dirty="0" smtClean="0"/>
+              <a:t>Typ in: "</a:t>
+            </a:r>
+            <a:r>
+              <a:rPr lang="nl-NL" sz="2400" dirty="0" err="1" smtClean="0"/>
+              <a:t>jupyter</a:t>
+            </a:r>
+            <a:r>
+              <a:rPr lang="nl-NL" sz="2400" dirty="0" smtClean="0"/>
+              <a:t> notebook"</a:t>
+            </a:r>
+          </a:p>
+          <a:p>
+            <a:pPr marL="457200" indent="-457200">
+              <a:buFont typeface="+mj-lt"/>
+              <a:buAutoNum type="arabicPeriod"/>
+            </a:pPr>
+            <a:r>
+              <a:rPr lang="nl-NL" sz="2400" dirty="0" err="1" smtClean="0"/>
+              <a:t>Jupyter</a:t>
+            </a:r>
+            <a:r>
+              <a:rPr lang="nl-NL" sz="2400" dirty="0" smtClean="0"/>
+              <a:t> notebook opent in je browser</a:t>
+            </a:r>
+          </a:p>
+          <a:p>
+            <a:pPr marL="457200" indent="-457200">
+              <a:buFont typeface="+mj-lt"/>
+              <a:buAutoNum type="arabicPeriod"/>
+            </a:pPr>
+            <a:endParaRPr lang="nl-NL" sz="2400" dirty="0" smtClean="0"/>
+          </a:p>
+          <a:p>
+            <a:r>
+              <a:rPr lang="nl-NL" sz="2400" dirty="0" smtClean="0"/>
+              <a:t>Of:</a:t>
+            </a:r>
+          </a:p>
+          <a:p>
+            <a:r>
+              <a:rPr lang="nl-NL" sz="2400" dirty="0" smtClean="0"/>
+              <a:t>Kies "</a:t>
+            </a:r>
+            <a:r>
+              <a:rPr lang="nl-NL" sz="2400" dirty="0" err="1" smtClean="0"/>
+              <a:t>Jupyter</a:t>
+            </a:r>
+            <a:r>
+              <a:rPr lang="nl-NL" sz="2400" dirty="0" smtClean="0"/>
+              <a:t> Notebook" onder Anaconda3 in start menu</a:t>
+            </a:r>
+            <a:endParaRPr lang="nl-NL" sz="2400" dirty="0"/>
+          </a:p>
+          <a:p>
+            <a:pPr marL="457200" indent="-457200">
+              <a:buFont typeface="+mj-lt"/>
+              <a:buAutoNum type="arabicPeriod"/>
+            </a:pPr>
+            <a:endParaRPr lang="nl-NL" dirty="0" smtClean="0"/>
+          </a:p>
+          <a:p>
+            <a:pPr marL="457200" indent="-457200">
+              <a:buFont typeface="+mj-lt"/>
+              <a:buAutoNum type="arabicPeriod"/>
+            </a:pPr>
+            <a:endParaRPr lang="nl-NL" dirty="0"/>
+          </a:p>
+          <a:p>
+            <a:pPr marL="457200" indent="-457200">
+              <a:buFont typeface="+mj-lt"/>
+              <a:buAutoNum type="arabicPeriod"/>
+            </a:pPr>
+            <a:endParaRPr lang="nl-NL" dirty="0"/>
           </a:p>
         </p:txBody>
       </p:sp>
@@ -7262,7 +7399,7 @@
     </p:spTree>
     <p:extLst>
       <p:ext uri="{BB962C8B-B14F-4D97-AF65-F5344CB8AC3E}">
-        <p14:creationId xmlns:p14="http://schemas.microsoft.com/office/powerpoint/2010/main" val="491596587"/>
+        <p14:creationId xmlns:p14="http://schemas.microsoft.com/office/powerpoint/2010/main" val="1089052543"/>
       </p:ext>
     </p:extLst>
   </p:cSld>
@@ -7319,14 +7456,7 @@
             <a:pPr algn="ctr"/>
             <a:r>
               <a:rPr lang="nl-NL" dirty="0" smtClean="0"/>
-              <a:t>Opgave 2:</a:t>
-            </a:r>
-          </a:p>
-          <a:p>
-            <a:pPr algn="ctr"/>
-            <a:r>
-              <a:rPr lang="nl-NL" dirty="0" smtClean="0"/>
-              <a:t>Basis programmeren</a:t>
+              <a:t>Python basics Demo</a:t>
             </a:r>
             <a:endParaRPr lang="en-GB" dirty="0"/>
           </a:p>
@@ -7354,7 +7484,7 @@
     </p:spTree>
     <p:extLst>
       <p:ext uri="{BB962C8B-B14F-4D97-AF65-F5344CB8AC3E}">
-        <p14:creationId xmlns:p14="http://schemas.microsoft.com/office/powerpoint/2010/main" val="2250585512"/>
+        <p14:creationId xmlns:p14="http://schemas.microsoft.com/office/powerpoint/2010/main" val="491596587"/>
       </p:ext>
     </p:extLst>
   </p:cSld>
@@ -7411,14 +7541,14 @@
             <a:pPr algn="ctr"/>
             <a:r>
               <a:rPr lang="nl-NL" dirty="0" smtClean="0"/>
-              <a:t>Demo 2:</a:t>
+              <a:t>Opgave 2:</a:t>
             </a:r>
           </a:p>
           <a:p>
             <a:pPr algn="ctr"/>
             <a:r>
               <a:rPr lang="nl-NL" dirty="0" smtClean="0"/>
-              <a:t>Modules, file I/O</a:t>
+              <a:t>Basis programmeren</a:t>
             </a:r>
             <a:endParaRPr lang="en-GB" dirty="0"/>
           </a:p>
@@ -7446,7 +7576,7 @@
     </p:spTree>
     <p:extLst>
       <p:ext uri="{BB962C8B-B14F-4D97-AF65-F5344CB8AC3E}">
-        <p14:creationId xmlns:p14="http://schemas.microsoft.com/office/powerpoint/2010/main" val="3403957875"/>
+        <p14:creationId xmlns:p14="http://schemas.microsoft.com/office/powerpoint/2010/main" val="2250585512"/>
       </p:ext>
     </p:extLst>
   </p:cSld>
@@ -7503,14 +7633,14 @@
             <a:pPr algn="ctr"/>
             <a:r>
               <a:rPr lang="nl-NL" dirty="0" smtClean="0"/>
-              <a:t>Opgave 3:</a:t>
+              <a:t>Demo 2:</a:t>
             </a:r>
           </a:p>
           <a:p>
             <a:pPr algn="ctr"/>
             <a:r>
               <a:rPr lang="nl-NL" dirty="0" smtClean="0"/>
-              <a:t>Histogram tekenen</a:t>
+              <a:t>Modules, file I/O</a:t>
             </a:r>
             <a:endParaRPr lang="en-GB" dirty="0"/>
           </a:p>
@@ -7538,7 +7668,7 @@
     </p:spTree>
     <p:extLst>
       <p:ext uri="{BB962C8B-B14F-4D97-AF65-F5344CB8AC3E}">
-        <p14:creationId xmlns:p14="http://schemas.microsoft.com/office/powerpoint/2010/main" val="488153797"/>
+        <p14:creationId xmlns:p14="http://schemas.microsoft.com/office/powerpoint/2010/main" val="3403957875"/>
       </p:ext>
     </p:extLst>
   </p:cSld>
@@ -7574,147 +7704,37 @@
       </p:grpSpPr>
       <p:sp>
         <p:nvSpPr>
-          <p:cNvPr id="2" name="Titel 1"/>
-          <p:cNvSpPr>
-            <a:spLocks noGrp="1"/>
-          </p:cNvSpPr>
-          <p:nvPr>
-            <p:ph type="title"/>
+          <p:cNvPr id="3" name="Tijdelijke aanduiding voor inhoud 2"/>
+          <p:cNvSpPr>
+            <a:spLocks noGrp="1"/>
+          </p:cNvSpPr>
+          <p:nvPr>
+            <p:ph sz="half" idx="1"/>
           </p:nvPr>
         </p:nvSpPr>
         <p:spPr>
           <a:xfrm>
-            <a:off x="1073425" y="205979"/>
-            <a:ext cx="7613375" cy="533695"/>
+            <a:off x="-1937689" y="1826150"/>
+            <a:ext cx="13209588" cy="8218884"/>
           </a:xfrm>
         </p:spPr>
         <p:txBody>
           <a:bodyPr/>
           <a:lstStyle/>
           <a:p>
+            <a:pPr algn="ctr"/>
             <a:r>
               <a:rPr lang="nl-NL" dirty="0" smtClean="0"/>
-              <a:t>Python scripts</a:t>
+              <a:t>Opgave 3:</a:t>
+            </a:r>
+          </a:p>
+          <a:p>
+            <a:pPr algn="ctr"/>
+            <a:r>
+              <a:rPr lang="nl-NL" dirty="0" smtClean="0"/>
+              <a:t>Histogram tekenen</a:t>
             </a:r>
             <a:endParaRPr lang="en-GB" dirty="0"/>
-          </a:p>
-        </p:txBody>
-      </p:sp>
-      <p:sp>
-        <p:nvSpPr>
-          <p:cNvPr id="3" name="Tijdelijke aanduiding voor inhoud 2"/>
-          <p:cNvSpPr>
-            <a:spLocks noGrp="1"/>
-          </p:cNvSpPr>
-          <p:nvPr>
-            <p:ph sz="half" idx="1"/>
-          </p:nvPr>
-        </p:nvSpPr>
-        <p:spPr>
-          <a:xfrm>
-            <a:off x="1021008" y="812448"/>
-            <a:ext cx="7884200" cy="3520760"/>
-          </a:xfrm>
-        </p:spPr>
-        <p:txBody>
-          <a:bodyPr/>
-          <a:lstStyle/>
-          <a:p>
-            <a:pPr marL="457200" indent="-457200">
-              <a:buFont typeface="+mj-lt"/>
-              <a:buAutoNum type="arabicPeriod"/>
-            </a:pPr>
-            <a:r>
-              <a:rPr lang="nl-NL" dirty="0" smtClean="0"/>
-              <a:t>Open een </a:t>
-            </a:r>
-            <a:r>
-              <a:rPr lang="nl-NL" dirty="0" smtClean="0"/>
-              <a:t>Anaconda prompt</a:t>
-            </a:r>
-            <a:endParaRPr lang="nl-NL" dirty="0" smtClean="0"/>
-          </a:p>
-          <a:p>
-            <a:pPr marL="457200" indent="-457200">
-              <a:buFont typeface="+mj-lt"/>
-              <a:buAutoNum type="arabicPeriod"/>
-            </a:pPr>
-            <a:r>
-              <a:rPr lang="nl-NL" dirty="0" smtClean="0"/>
-              <a:t>Typ in: "python &lt;scriptnaam&gt;"</a:t>
-            </a:r>
-          </a:p>
-          <a:p>
-            <a:pPr marL="457200" indent="-457200">
-              <a:buFont typeface="+mj-lt"/>
-              <a:buAutoNum type="arabicPeriod"/>
-            </a:pPr>
-            <a:r>
-              <a:rPr lang="nl-NL" dirty="0" smtClean="0"/>
-              <a:t>Het script wordt uitgevoerd</a:t>
-            </a:r>
-          </a:p>
-          <a:p>
-            <a:pPr marL="457200" indent="-457200">
-              <a:buFont typeface="+mj-lt"/>
-              <a:buAutoNum type="arabicPeriod"/>
-            </a:pPr>
-            <a:endParaRPr lang="nl-NL" dirty="0"/>
-          </a:p>
-          <a:p>
-            <a:pPr marL="457200" indent="-457200">
-              <a:buFont typeface="+mj-lt"/>
-              <a:buAutoNum type="arabicPeriod"/>
-            </a:pPr>
-            <a:r>
-              <a:rPr lang="nl-NL" dirty="0" smtClean="0"/>
-              <a:t>Scripts zijn tekstbestanden, te editen met iedere code editor (VS Code)</a:t>
-            </a:r>
-          </a:p>
-          <a:p>
-            <a:pPr marL="457200" indent="-457200">
-              <a:buFont typeface="+mj-lt"/>
-              <a:buAutoNum type="arabicPeriod"/>
-            </a:pPr>
-            <a:r>
-              <a:rPr lang="nl-NL" dirty="0" err="1" smtClean="0"/>
-              <a:t>Jupyter</a:t>
-            </a:r>
-            <a:r>
-              <a:rPr lang="nl-NL" dirty="0" smtClean="0"/>
-              <a:t> notebook te exporteren als python script</a:t>
-            </a:r>
-          </a:p>
-          <a:p>
-            <a:endParaRPr lang="nl-NL" dirty="0" smtClean="0"/>
-          </a:p>
-          <a:p>
-            <a:pPr marL="457200" indent="-457200">
-              <a:buFont typeface="+mj-lt"/>
-              <a:buAutoNum type="arabicPeriod"/>
-            </a:pPr>
-            <a:endParaRPr lang="nl-NL" dirty="0"/>
-          </a:p>
-          <a:p>
-            <a:pPr marL="457200" indent="-457200">
-              <a:buFont typeface="+mj-lt"/>
-              <a:buAutoNum type="arabicPeriod"/>
-            </a:pPr>
-            <a:endParaRPr lang="nl-NL" dirty="0" smtClean="0"/>
-          </a:p>
-          <a:p>
-            <a:pPr marL="457200" indent="-457200">
-              <a:buFont typeface="+mj-lt"/>
-              <a:buAutoNum type="arabicPeriod"/>
-            </a:pPr>
-            <a:endParaRPr lang="nl-NL" dirty="0"/>
-          </a:p>
-          <a:p>
-            <a:pPr marL="457200" indent="-457200">
-              <a:buFont typeface="+mj-lt"/>
-              <a:buAutoNum type="arabicPeriod"/>
-            </a:pPr>
-            <a:endParaRPr lang="nl-NL" dirty="0"/>
           </a:p>
         </p:txBody>
       </p:sp>
@@ -7740,7 +7760,7 @@
     </p:spTree>
     <p:extLst>
       <p:ext uri="{BB962C8B-B14F-4D97-AF65-F5344CB8AC3E}">
-        <p14:creationId xmlns:p14="http://schemas.microsoft.com/office/powerpoint/2010/main" val="3775844182"/>
+        <p14:creationId xmlns:p14="http://schemas.microsoft.com/office/powerpoint/2010/main" val="488153797"/>
       </p:ext>
     </p:extLst>
   </p:cSld>
@@ -7795,12 +7815,8 @@
           <a:lstStyle/>
           <a:p>
             <a:r>
-              <a:rPr lang="nl-NL" dirty="0" err="1" smtClean="0"/>
-              <a:t>Command</a:t>
-            </a:r>
-            <a:r>
               <a:rPr lang="nl-NL" dirty="0" smtClean="0"/>
-              <a:t> line argumenten</a:t>
+              <a:t>Python scripts</a:t>
             </a:r>
             <a:endParaRPr lang="en-GB" dirty="0"/>
           </a:p>
@@ -7826,118 +7842,74 @@
           <a:bodyPr/>
           <a:lstStyle/>
           <a:p>
-            <a:pPr marL="342900" indent="-342900">
-              <a:buFont typeface="Arial" panose="020B0604020202020204" pitchFamily="34" charset="0"/>
-              <a:buChar char="•"/>
+            <a:pPr marL="457200" indent="-457200">
+              <a:buFont typeface="+mj-lt"/>
+              <a:buAutoNum type="arabicPeriod"/>
             </a:pPr>
             <a:r>
-              <a:rPr lang="nl-NL" dirty="0" err="1" smtClean="0">
-                <a:cs typeface="Courier New" panose="02070309020205020404" pitchFamily="49" charset="0"/>
-              </a:rPr>
-              <a:t>sys.argv</a:t>
-            </a:r>
-            <a:r>
-              <a:rPr lang="nl-NL" dirty="0" smtClean="0">
-                <a:cs typeface="Courier New" panose="02070309020205020404" pitchFamily="49" charset="0"/>
-              </a:rPr>
-              <a:t> is een list met alle </a:t>
-            </a:r>
-            <a:r>
-              <a:rPr lang="nl-NL" dirty="0" err="1" smtClean="0">
-                <a:cs typeface="Courier New" panose="02070309020205020404" pitchFamily="49" charset="0"/>
-              </a:rPr>
-              <a:t>command</a:t>
-            </a:r>
-            <a:r>
-              <a:rPr lang="nl-NL" dirty="0" smtClean="0">
-                <a:cs typeface="Courier New" panose="02070309020205020404" pitchFamily="49" charset="0"/>
-              </a:rPr>
-              <a:t> line argumenten.</a:t>
-            </a:r>
-          </a:p>
-          <a:p>
-            <a:pPr marL="342900" indent="-342900">
-              <a:buFont typeface="Arial" panose="020B0604020202020204" pitchFamily="34" charset="0"/>
-              <a:buChar char="•"/>
+              <a:rPr lang="nl-NL" dirty="0" smtClean="0"/>
+              <a:t>Open een Anaconda prompt</a:t>
+            </a:r>
+          </a:p>
+          <a:p>
+            <a:pPr marL="457200" indent="-457200">
+              <a:buFont typeface="+mj-lt"/>
+              <a:buAutoNum type="arabicPeriod"/>
             </a:pPr>
             <a:r>
-              <a:rPr lang="nl-NL" dirty="0" smtClean="0">
-                <a:cs typeface="Courier New" panose="02070309020205020404" pitchFamily="49" charset="0"/>
-              </a:rPr>
-              <a:t>Eerste element is naam van script</a:t>
-            </a:r>
-          </a:p>
-          <a:p>
-            <a:pPr marL="342900" indent="-342900">
-              <a:buFont typeface="Arial" panose="020B0604020202020204" pitchFamily="34" charset="0"/>
-              <a:buChar char="•"/>
+              <a:rPr lang="nl-NL" dirty="0" smtClean="0"/>
+              <a:t>Typ in: "python &lt;scriptnaam&gt;"</a:t>
+            </a:r>
+          </a:p>
+          <a:p>
+            <a:pPr marL="457200" indent="-457200">
+              <a:buFont typeface="+mj-lt"/>
+              <a:buAutoNum type="arabicPeriod"/>
             </a:pPr>
             <a:r>
-              <a:rPr lang="nl-NL" dirty="0" smtClean="0">
-                <a:cs typeface="Courier New" panose="02070309020205020404" pitchFamily="49" charset="0"/>
-              </a:rPr>
-              <a:t>Volgende elementen zijn de argumenten zelf</a:t>
-            </a:r>
-          </a:p>
-          <a:p>
-            <a:pPr marL="342900" indent="-342900">
-              <a:buFont typeface="Arial" panose="020B0604020202020204" pitchFamily="34" charset="0"/>
-              <a:buChar char="•"/>
+              <a:rPr lang="nl-NL" dirty="0" smtClean="0"/>
+              <a:t>Het script wordt uitgevoerd</a:t>
+            </a:r>
+          </a:p>
+          <a:p>
+            <a:pPr marL="457200" indent="-457200">
+              <a:buFont typeface="+mj-lt"/>
+              <a:buAutoNum type="arabicPeriod"/>
             </a:pPr>
-            <a:r>
-              <a:rPr lang="nl-NL" dirty="0" smtClean="0">
-                <a:cs typeface="Courier New" panose="02070309020205020404" pitchFamily="49" charset="0"/>
-              </a:rPr>
-              <a:t>Werkt niet zoals je verwacht in </a:t>
-            </a:r>
-            <a:r>
-              <a:rPr lang="nl-NL" dirty="0" err="1" smtClean="0">
-                <a:cs typeface="Courier New" panose="02070309020205020404" pitchFamily="49" charset="0"/>
-              </a:rPr>
-              <a:t>jupyter</a:t>
-            </a:r>
-            <a:r>
-              <a:rPr lang="nl-NL" dirty="0" smtClean="0">
-                <a:cs typeface="Courier New" panose="02070309020205020404" pitchFamily="49" charset="0"/>
-              </a:rPr>
-              <a:t> notebook omdat </a:t>
-            </a:r>
-            <a:r>
-              <a:rPr lang="nl-NL" dirty="0" err="1" smtClean="0">
-                <a:cs typeface="Courier New" panose="02070309020205020404" pitchFamily="49" charset="0"/>
-              </a:rPr>
-              <a:t>jupyter</a:t>
-            </a:r>
-            <a:r>
-              <a:rPr lang="nl-NL" dirty="0" smtClean="0">
-                <a:cs typeface="Courier New" panose="02070309020205020404" pitchFamily="49" charset="0"/>
-              </a:rPr>
-              <a:t> zelf ook </a:t>
-            </a:r>
-            <a:r>
-              <a:rPr lang="nl-NL" dirty="0" err="1" smtClean="0">
-                <a:cs typeface="Courier New" panose="02070309020205020404" pitchFamily="49" charset="0"/>
-              </a:rPr>
-              <a:t>command</a:t>
-            </a:r>
-            <a:r>
-              <a:rPr lang="nl-NL" dirty="0" smtClean="0">
-                <a:cs typeface="Courier New" panose="02070309020205020404" pitchFamily="49" charset="0"/>
-              </a:rPr>
-              <a:t> line argumenten gebruikt</a:t>
-            </a:r>
-          </a:p>
-          <a:p>
-            <a:pPr marL="342900" indent="-342900">
-              <a:buFont typeface="Arial" panose="020B0604020202020204" pitchFamily="34" charset="0"/>
-              <a:buChar char="•"/>
+            <a:endParaRPr lang="nl-NL" dirty="0"/>
+          </a:p>
+          <a:p>
+            <a:pPr marL="457200" indent="-457200">
+              <a:buFont typeface="+mj-lt"/>
+              <a:buAutoNum type="arabicPeriod"/>
             </a:pPr>
             <a:r>
-              <a:rPr lang="nl-NL" dirty="0" smtClean="0">
-                <a:cs typeface="Courier New" panose="02070309020205020404" pitchFamily="49" charset="0"/>
-              </a:rPr>
-              <a:t>Dus: exporteren als Python script</a:t>
-            </a:r>
+              <a:rPr lang="nl-NL" dirty="0" smtClean="0"/>
+              <a:t>Scripts zijn tekstbestanden, te editen met iedere code editor (VS Code)</a:t>
+            </a:r>
+          </a:p>
+          <a:p>
+            <a:pPr marL="457200" indent="-457200">
+              <a:buFont typeface="+mj-lt"/>
+              <a:buAutoNum type="arabicPeriod"/>
+            </a:pPr>
+            <a:r>
+              <a:rPr lang="nl-NL" dirty="0" err="1" smtClean="0"/>
+              <a:t>Jupyter</a:t>
+            </a:r>
+            <a:r>
+              <a:rPr lang="nl-NL" dirty="0" smtClean="0"/>
+              <a:t> notebook te exporteren als python script</a:t>
+            </a:r>
+          </a:p>
+          <a:p>
+            <a:endParaRPr lang="nl-NL" dirty="0" smtClean="0"/>
+          </a:p>
+          <a:p>
+            <a:pPr marL="457200" indent="-457200">
+              <a:buFont typeface="+mj-lt"/>
+              <a:buAutoNum type="arabicPeriod"/>
+            </a:pPr>
             <a:endParaRPr lang="nl-NL" dirty="0"/>
           </a:p>
           <a:p>
@@ -7985,7 +7957,7 @@
     </p:spTree>
     <p:extLst>
       <p:ext uri="{BB962C8B-B14F-4D97-AF65-F5344CB8AC3E}">
-        <p14:creationId xmlns:p14="http://schemas.microsoft.com/office/powerpoint/2010/main" val="4136816892"/>
+        <p14:creationId xmlns:p14="http://schemas.microsoft.com/office/powerpoint/2010/main" val="3775844182"/>
       </p:ext>
     </p:extLst>
   </p:cSld>
@@ -8021,34 +7993,26 @@
       </p:grpSpPr>
       <p:sp>
         <p:nvSpPr>
-          <p:cNvPr id="3" name="Tijdelijke aanduiding voor inhoud 2"/>
-          <p:cNvSpPr>
-            <a:spLocks noGrp="1"/>
-          </p:cNvSpPr>
-          <p:nvPr>
-            <p:ph sz="half" idx="1"/>
+          <p:cNvPr id="2" name="Titel 1"/>
+          <p:cNvSpPr>
+            <a:spLocks noGrp="1"/>
+          </p:cNvSpPr>
+          <p:nvPr>
+            <p:ph type="title"/>
           </p:nvPr>
         </p:nvSpPr>
         <p:spPr>
           <a:xfrm>
-            <a:off x="-1937689" y="1826150"/>
-            <a:ext cx="13209588" cy="8218884"/>
+            <a:off x="1073425" y="205979"/>
+            <a:ext cx="7613375" cy="533695"/>
           </a:xfrm>
         </p:spPr>
         <p:txBody>
           <a:bodyPr/>
           <a:lstStyle/>
           <a:p>
-            <a:pPr algn="ctr"/>
-            <a:r>
-              <a:rPr lang="nl-NL" dirty="0" smtClean="0"/>
-              <a:t>Opgave 4:</a:t>
-            </a:r>
-          </a:p>
-          <a:p>
-            <a:pPr algn="ctr"/>
-            <a:r>
-              <a:rPr lang="nl-NL" smtClean="0"/>
+            <a:r>
+              <a:rPr lang="nl-NL" dirty="0" err="1" smtClean="0"/>
               <a:t>Command</a:t>
             </a:r>
             <a:r>
@@ -8056,6 +8020,163 @@
               <a:t> line argumenten</a:t>
             </a:r>
             <a:endParaRPr lang="en-GB" dirty="0"/>
+          </a:p>
+        </p:txBody>
+      </p:sp>
+      <p:sp>
+        <p:nvSpPr>
+          <p:cNvPr id="3" name="Tijdelijke aanduiding voor inhoud 2"/>
+          <p:cNvSpPr>
+            <a:spLocks noGrp="1"/>
+          </p:cNvSpPr>
+          <p:nvPr>
+            <p:ph sz="half" idx="1"/>
+          </p:nvPr>
+        </p:nvSpPr>
+        <p:spPr>
+          <a:xfrm>
+            <a:off x="1021008" y="812448"/>
+            <a:ext cx="7884200" cy="3520760"/>
+          </a:xfrm>
+        </p:spPr>
+        <p:txBody>
+          <a:bodyPr/>
+          <a:lstStyle/>
+          <a:p>
+            <a:pPr marL="342900" indent="-342900">
+              <a:buFont typeface="Arial" panose="020B0604020202020204" pitchFamily="34" charset="0"/>
+              <a:buChar char="•"/>
+            </a:pPr>
+            <a:r>
+              <a:rPr lang="nl-NL" dirty="0" err="1" smtClean="0">
+                <a:cs typeface="Courier New" panose="02070309020205020404" pitchFamily="49" charset="0"/>
+              </a:rPr>
+              <a:t>sys.argv</a:t>
+            </a:r>
+            <a:r>
+              <a:rPr lang="nl-NL" dirty="0" smtClean="0">
+                <a:cs typeface="Courier New" panose="02070309020205020404" pitchFamily="49" charset="0"/>
+              </a:rPr>
+              <a:t> is een list met alle </a:t>
+            </a:r>
+            <a:r>
+              <a:rPr lang="nl-NL" dirty="0" err="1" smtClean="0">
+                <a:cs typeface="Courier New" panose="02070309020205020404" pitchFamily="49" charset="0"/>
+              </a:rPr>
+              <a:t>command</a:t>
+            </a:r>
+            <a:r>
+              <a:rPr lang="nl-NL" dirty="0" smtClean="0">
+                <a:cs typeface="Courier New" panose="02070309020205020404" pitchFamily="49" charset="0"/>
+              </a:rPr>
+              <a:t> line argumenten.</a:t>
+            </a:r>
+          </a:p>
+          <a:p>
+            <a:pPr marL="342900" indent="-342900">
+              <a:buFont typeface="Arial" panose="020B0604020202020204" pitchFamily="34" charset="0"/>
+              <a:buChar char="•"/>
+            </a:pPr>
+            <a:r>
+              <a:rPr lang="nl-NL" dirty="0" smtClean="0">
+                <a:cs typeface="Courier New" panose="02070309020205020404" pitchFamily="49" charset="0"/>
+              </a:rPr>
+              <a:t>Eerste element is naam van script</a:t>
+            </a:r>
+          </a:p>
+          <a:p>
+            <a:pPr marL="342900" indent="-342900">
+              <a:buFont typeface="Arial" panose="020B0604020202020204" pitchFamily="34" charset="0"/>
+              <a:buChar char="•"/>
+            </a:pPr>
+            <a:r>
+              <a:rPr lang="nl-NL" dirty="0" smtClean="0">
+                <a:cs typeface="Courier New" panose="02070309020205020404" pitchFamily="49" charset="0"/>
+              </a:rPr>
+              <a:t>Volgende elementen zijn de argumenten zelf</a:t>
+            </a:r>
+          </a:p>
+          <a:p>
+            <a:pPr marL="342900" indent="-342900">
+              <a:buFont typeface="Arial" panose="020B0604020202020204" pitchFamily="34" charset="0"/>
+              <a:buChar char="•"/>
+            </a:pPr>
+            <a:r>
+              <a:rPr lang="nl-NL" dirty="0" smtClean="0">
+                <a:cs typeface="Courier New" panose="02070309020205020404" pitchFamily="49" charset="0"/>
+              </a:rPr>
+              <a:t>Werkt niet zoals je verwacht in </a:t>
+            </a:r>
+            <a:r>
+              <a:rPr lang="nl-NL" dirty="0" err="1" smtClean="0">
+                <a:cs typeface="Courier New" panose="02070309020205020404" pitchFamily="49" charset="0"/>
+              </a:rPr>
+              <a:t>jupyter</a:t>
+            </a:r>
+            <a:r>
+              <a:rPr lang="nl-NL" dirty="0" smtClean="0">
+                <a:cs typeface="Courier New" panose="02070309020205020404" pitchFamily="49" charset="0"/>
+              </a:rPr>
+              <a:t> notebook omdat </a:t>
+            </a:r>
+            <a:r>
+              <a:rPr lang="nl-NL" dirty="0" err="1" smtClean="0">
+                <a:cs typeface="Courier New" panose="02070309020205020404" pitchFamily="49" charset="0"/>
+              </a:rPr>
+              <a:t>jupyter</a:t>
+            </a:r>
+            <a:r>
+              <a:rPr lang="nl-NL" dirty="0" smtClean="0">
+                <a:cs typeface="Courier New" panose="02070309020205020404" pitchFamily="49" charset="0"/>
+              </a:rPr>
+              <a:t> zelf ook </a:t>
+            </a:r>
+            <a:r>
+              <a:rPr lang="nl-NL" dirty="0" err="1" smtClean="0">
+                <a:cs typeface="Courier New" panose="02070309020205020404" pitchFamily="49" charset="0"/>
+              </a:rPr>
+              <a:t>command</a:t>
+            </a:r>
+            <a:r>
+              <a:rPr lang="nl-NL" dirty="0" smtClean="0">
+                <a:cs typeface="Courier New" panose="02070309020205020404" pitchFamily="49" charset="0"/>
+              </a:rPr>
+              <a:t> line argumenten gebruikt</a:t>
+            </a:r>
+          </a:p>
+          <a:p>
+            <a:pPr marL="342900" indent="-342900">
+              <a:buFont typeface="Arial" panose="020B0604020202020204" pitchFamily="34" charset="0"/>
+              <a:buChar char="•"/>
+            </a:pPr>
+            <a:r>
+              <a:rPr lang="nl-NL" dirty="0" smtClean="0">
+                <a:cs typeface="Courier New" panose="02070309020205020404" pitchFamily="49" charset="0"/>
+              </a:rPr>
+              <a:t>Dus: exporteren als Python script</a:t>
+            </a:r>
+            <a:endParaRPr lang="nl-NL" dirty="0"/>
+          </a:p>
+          <a:p>
+            <a:pPr marL="457200" indent="-457200">
+              <a:buFont typeface="+mj-lt"/>
+              <a:buAutoNum type="arabicPeriod"/>
+            </a:pPr>
+            <a:endParaRPr lang="nl-NL" dirty="0" smtClean="0"/>
+          </a:p>
+          <a:p>
+            <a:pPr marL="457200" indent="-457200">
+              <a:buFont typeface="+mj-lt"/>
+              <a:buAutoNum type="arabicPeriod"/>
+            </a:pPr>
+            <a:endParaRPr lang="nl-NL" dirty="0"/>
+          </a:p>
+          <a:p>
+            <a:pPr marL="457200" indent="-457200">
+              <a:buFont typeface="+mj-lt"/>
+              <a:buAutoNum type="arabicPeriod"/>
+            </a:pPr>
+            <a:endParaRPr lang="nl-NL" dirty="0"/>
           </a:p>
         </p:txBody>
       </p:sp>
@@ -8081,7 +8202,7 @@
     </p:spTree>
     <p:extLst>
       <p:ext uri="{BB962C8B-B14F-4D97-AF65-F5344CB8AC3E}">
-        <p14:creationId xmlns:p14="http://schemas.microsoft.com/office/powerpoint/2010/main" val="1015844805"/>
+        <p14:creationId xmlns:p14="http://schemas.microsoft.com/office/powerpoint/2010/main" val="4136816892"/>
       </p:ext>
     </p:extLst>
   </p:cSld>
@@ -8117,148 +8238,41 @@
       </p:grpSpPr>
       <p:sp>
         <p:nvSpPr>
-          <p:cNvPr id="2" name="Titel 1"/>
-          <p:cNvSpPr>
-            <a:spLocks noGrp="1"/>
-          </p:cNvSpPr>
-          <p:nvPr>
-            <p:ph type="title"/>
+          <p:cNvPr id="3" name="Tijdelijke aanduiding voor inhoud 2"/>
+          <p:cNvSpPr>
+            <a:spLocks noGrp="1"/>
+          </p:cNvSpPr>
+          <p:nvPr>
+            <p:ph sz="half" idx="1"/>
           </p:nvPr>
         </p:nvSpPr>
         <p:spPr>
           <a:xfrm>
-            <a:off x="1073425" y="205979"/>
-            <a:ext cx="7613375" cy="533695"/>
+            <a:off x="-1937689" y="1826150"/>
+            <a:ext cx="13209588" cy="8218884"/>
           </a:xfrm>
         </p:spPr>
         <p:txBody>
           <a:bodyPr/>
           <a:lstStyle/>
           <a:p>
+            <a:pPr algn="ctr"/>
             <a:r>
               <a:rPr lang="nl-NL" dirty="0" smtClean="0"/>
-              <a:t>Zelf modules maken</a:t>
+              <a:t>Opgave 4:</a:t>
+            </a:r>
+          </a:p>
+          <a:p>
+            <a:pPr algn="ctr"/>
+            <a:r>
+              <a:rPr lang="nl-NL" smtClean="0"/>
+              <a:t>Command</a:t>
+            </a:r>
+            <a:r>
+              <a:rPr lang="nl-NL" dirty="0" smtClean="0"/>
+              <a:t> line argumenten</a:t>
             </a:r>
             <a:endParaRPr lang="en-GB" dirty="0"/>
-          </a:p>
-        </p:txBody>
-      </p:sp>
-      <p:sp>
-        <p:nvSpPr>
-          <p:cNvPr id="3" name="Tijdelijke aanduiding voor inhoud 2"/>
-          <p:cNvSpPr>
-            <a:spLocks noGrp="1"/>
-          </p:cNvSpPr>
-          <p:nvPr>
-            <p:ph sz="half" idx="1"/>
-          </p:nvPr>
-        </p:nvSpPr>
-        <p:spPr>
-          <a:xfrm>
-            <a:off x="1021008" y="812448"/>
-            <a:ext cx="7884200" cy="3520760"/>
-          </a:xfrm>
-        </p:spPr>
-        <p:txBody>
-          <a:bodyPr/>
-          <a:lstStyle/>
-          <a:p>
-            <a:pPr marL="342900" indent="-342900">
-              <a:buFont typeface="Arial" panose="020B0604020202020204" pitchFamily="34" charset="0"/>
-              <a:buChar char="•"/>
-            </a:pPr>
-            <a:r>
-              <a:rPr lang="nl-NL" dirty="0" smtClean="0"/>
-              <a:t>Ieder Python script kan als module dienen</a:t>
-            </a:r>
-          </a:p>
-          <a:p>
-            <a:pPr marL="342900" indent="-342900">
-              <a:buFont typeface="Arial" panose="020B0604020202020204" pitchFamily="34" charset="0"/>
-              <a:buChar char="•"/>
-            </a:pPr>
-            <a:r>
-              <a:rPr lang="nl-NL" dirty="0" smtClean="0"/>
-              <a:t>PYTHONPATH: lijst van folders waar Python naar modules zoekt</a:t>
-            </a:r>
-          </a:p>
-          <a:p>
-            <a:pPr marL="342900" indent="-342900">
-              <a:buFont typeface="Arial" panose="020B0604020202020204" pitchFamily="34" charset="0"/>
-              <a:buChar char="•"/>
-            </a:pPr>
-            <a:r>
-              <a:rPr lang="nl-NL" dirty="0" smtClean="0"/>
-              <a:t>Huidige directory zit altijd in PYTHONPATH</a:t>
-            </a:r>
-          </a:p>
-          <a:p>
-            <a:pPr marL="342900" indent="-342900">
-              <a:buFont typeface="Arial" panose="020B0604020202020204" pitchFamily="34" charset="0"/>
-              <a:buChar char="•"/>
-            </a:pPr>
-            <a:endParaRPr lang="nl-NL" dirty="0"/>
-          </a:p>
-          <a:p>
-            <a:pPr marL="342900" indent="-342900">
-              <a:buFont typeface="Arial" panose="020B0604020202020204" pitchFamily="34" charset="0"/>
-              <a:buChar char="•"/>
-            </a:pPr>
-            <a:r>
-              <a:rPr lang="nl-NL" dirty="0" smtClean="0"/>
-              <a:t>Let op top level code: </a:t>
-            </a:r>
-          </a:p>
-          <a:p>
-            <a:r>
-              <a:rPr lang="nl-NL" dirty="0" err="1" smtClean="0">
-                <a:latin typeface="Courier New" panose="02070309020205020404" pitchFamily="49" charset="0"/>
-                <a:cs typeface="Courier New" panose="02070309020205020404" pitchFamily="49" charset="0"/>
-              </a:rPr>
-              <a:t>if</a:t>
-            </a:r>
-            <a:r>
-              <a:rPr lang="nl-NL" dirty="0" smtClean="0">
-                <a:latin typeface="Courier New" panose="02070309020205020404" pitchFamily="49" charset="0"/>
-                <a:cs typeface="Courier New" panose="02070309020205020404" pitchFamily="49" charset="0"/>
-              </a:rPr>
-              <a:t> __name__ == "__</a:t>
-            </a:r>
-            <a:r>
-              <a:rPr lang="nl-NL" dirty="0" err="1" smtClean="0">
-                <a:latin typeface="Courier New" panose="02070309020205020404" pitchFamily="49" charset="0"/>
-                <a:cs typeface="Courier New" panose="02070309020205020404" pitchFamily="49" charset="0"/>
-              </a:rPr>
-              <a:t>main</a:t>
-            </a:r>
-            <a:r>
-              <a:rPr lang="nl-NL" dirty="0" smtClean="0">
-                <a:latin typeface="Courier New" panose="02070309020205020404" pitchFamily="49" charset="0"/>
-                <a:cs typeface="Courier New" panose="02070309020205020404" pitchFamily="49" charset="0"/>
-              </a:rPr>
-              <a:t>__":</a:t>
-            </a:r>
-          </a:p>
-          <a:p>
-            <a:pPr marL="342900" indent="-342900">
-              <a:buFont typeface="Arial" panose="020B0604020202020204" pitchFamily="34" charset="0"/>
-              <a:buChar char="•"/>
-            </a:pPr>
-            <a:endParaRPr lang="nl-NL" dirty="0" smtClean="0"/>
-          </a:p>
-          <a:p>
-            <a:pPr marL="457200" indent="-457200">
-              <a:buFont typeface="+mj-lt"/>
-              <a:buAutoNum type="arabicPeriod"/>
-            </a:pPr>
-            <a:endParaRPr lang="nl-NL" dirty="0"/>
-          </a:p>
-          <a:p>
-            <a:pPr marL="457200" indent="-457200">
-              <a:buFont typeface="+mj-lt"/>
-              <a:buAutoNum type="arabicPeriod"/>
-            </a:pPr>
-            <a:endParaRPr lang="nl-NL" dirty="0"/>
           </a:p>
         </p:txBody>
       </p:sp>
@@ -8284,7 +8298,7 @@
     </p:spTree>
     <p:extLst>
       <p:ext uri="{BB962C8B-B14F-4D97-AF65-F5344CB8AC3E}">
-        <p14:creationId xmlns:p14="http://schemas.microsoft.com/office/powerpoint/2010/main" val="1174403562"/>
+        <p14:creationId xmlns:p14="http://schemas.microsoft.com/office/powerpoint/2010/main" val="1015844805"/>
       </p:ext>
     </p:extLst>
   </p:cSld>
@@ -8320,36 +8334,148 @@
       </p:grpSpPr>
       <p:sp>
         <p:nvSpPr>
-          <p:cNvPr id="3" name="Tijdelijke aanduiding voor inhoud 2"/>
-          <p:cNvSpPr>
-            <a:spLocks noGrp="1"/>
-          </p:cNvSpPr>
-          <p:nvPr>
-            <p:ph sz="half" idx="1"/>
+          <p:cNvPr id="2" name="Titel 1"/>
+          <p:cNvSpPr>
+            <a:spLocks noGrp="1"/>
+          </p:cNvSpPr>
+          <p:nvPr>
+            <p:ph type="title"/>
           </p:nvPr>
         </p:nvSpPr>
         <p:spPr>
           <a:xfrm>
-            <a:off x="-1937689" y="1826150"/>
-            <a:ext cx="13209588" cy="8218884"/>
+            <a:off x="1073425" y="205979"/>
+            <a:ext cx="7613375" cy="533695"/>
           </a:xfrm>
         </p:spPr>
         <p:txBody>
           <a:bodyPr/>
           <a:lstStyle/>
           <a:p>
-            <a:pPr algn="ctr"/>
             <a:r>
               <a:rPr lang="nl-NL" dirty="0" smtClean="0"/>
-              <a:t>Opgave 5:</a:t>
-            </a:r>
-          </a:p>
-          <a:p>
-            <a:pPr algn="ctr"/>
+              <a:t>Zelf modules maken</a:t>
+            </a:r>
+            <a:endParaRPr lang="en-GB" dirty="0"/>
+          </a:p>
+        </p:txBody>
+      </p:sp>
+      <p:sp>
+        <p:nvSpPr>
+          <p:cNvPr id="3" name="Tijdelijke aanduiding voor inhoud 2"/>
+          <p:cNvSpPr>
+            <a:spLocks noGrp="1"/>
+          </p:cNvSpPr>
+          <p:nvPr>
+            <p:ph sz="half" idx="1"/>
+          </p:nvPr>
+        </p:nvSpPr>
+        <p:spPr>
+          <a:xfrm>
+            <a:off x="1021008" y="812448"/>
+            <a:ext cx="7884200" cy="3520760"/>
+          </a:xfrm>
+        </p:spPr>
+        <p:txBody>
+          <a:bodyPr/>
+          <a:lstStyle/>
+          <a:p>
+            <a:pPr marL="342900" indent="-342900">
+              <a:buFont typeface="Arial" panose="020B0604020202020204" pitchFamily="34" charset="0"/>
+              <a:buChar char="•"/>
+            </a:pPr>
             <a:r>
               <a:rPr lang="nl-NL" dirty="0" smtClean="0"/>
-              <a:t>Een module maken</a:t>
-            </a:r>
+              <a:t>Ieder Python script kan als module dienen</a:t>
+            </a:r>
+          </a:p>
+          <a:p>
+            <a:pPr marL="342900" indent="-342900">
+              <a:buFont typeface="Arial" panose="020B0604020202020204" pitchFamily="34" charset="0"/>
+              <a:buChar char="•"/>
+            </a:pPr>
+            <a:r>
+              <a:rPr lang="nl-NL" dirty="0" smtClean="0"/>
+              <a:t>PYTHONPATH: lijst van folders waar Python naar modules zoekt</a:t>
+            </a:r>
+          </a:p>
+          <a:p>
+            <a:pPr marL="342900" indent="-342900">
+              <a:buFont typeface="Arial" panose="020B0604020202020204" pitchFamily="34" charset="0"/>
+              <a:buChar char="•"/>
+            </a:pPr>
+            <a:r>
+              <a:rPr lang="nl-NL" dirty="0" smtClean="0"/>
+              <a:t>Huidige directory zit altijd in PYTHONPATH</a:t>
+            </a:r>
+          </a:p>
+          <a:p>
+            <a:pPr marL="342900" indent="-342900">
+              <a:buFont typeface="Arial" panose="020B0604020202020204" pitchFamily="34" charset="0"/>
+              <a:buChar char="•"/>
+            </a:pPr>
+            <a:endParaRPr lang="nl-NL" dirty="0"/>
+          </a:p>
+          <a:p>
+            <a:pPr marL="342900" indent="-342900">
+              <a:buFont typeface="Arial" panose="020B0604020202020204" pitchFamily="34" charset="0"/>
+              <a:buChar char="•"/>
+            </a:pPr>
+            <a:r>
+              <a:rPr lang="nl-NL" dirty="0" smtClean="0"/>
+              <a:t>Let op top level code: </a:t>
+            </a:r>
+          </a:p>
+          <a:p>
+            <a:r>
+              <a:rPr lang="nl-NL" dirty="0" err="1" smtClean="0">
+                <a:latin typeface="Courier New" panose="02070309020205020404" pitchFamily="49" charset="0"/>
+                <a:cs typeface="Courier New" panose="02070309020205020404" pitchFamily="49" charset="0"/>
+              </a:rPr>
+              <a:t>if</a:t>
+            </a:r>
+            <a:r>
+              <a:rPr lang="nl-NL" dirty="0" smtClean="0">
+                <a:latin typeface="Courier New" panose="02070309020205020404" pitchFamily="49" charset="0"/>
+                <a:cs typeface="Courier New" panose="02070309020205020404" pitchFamily="49" charset="0"/>
+              </a:rPr>
+              <a:t> __name__ == "__</a:t>
+            </a:r>
+            <a:r>
+              <a:rPr lang="nl-NL" dirty="0" err="1" smtClean="0">
+                <a:latin typeface="Courier New" panose="02070309020205020404" pitchFamily="49" charset="0"/>
+                <a:cs typeface="Courier New" panose="02070309020205020404" pitchFamily="49" charset="0"/>
+              </a:rPr>
+              <a:t>main</a:t>
+            </a:r>
+            <a:r>
+              <a:rPr lang="nl-NL" dirty="0" smtClean="0">
+                <a:latin typeface="Courier New" panose="02070309020205020404" pitchFamily="49" charset="0"/>
+                <a:cs typeface="Courier New" panose="02070309020205020404" pitchFamily="49" charset="0"/>
+              </a:rPr>
+              <a:t>__":</a:t>
+            </a:r>
+          </a:p>
+          <a:p>
+            <a:pPr marL="342900" indent="-342900">
+              <a:buFont typeface="Arial" panose="020B0604020202020204" pitchFamily="34" charset="0"/>
+              <a:buChar char="•"/>
+            </a:pPr>
+            <a:endParaRPr lang="nl-NL" dirty="0" smtClean="0"/>
+          </a:p>
+          <a:p>
+            <a:pPr marL="457200" indent="-457200">
+              <a:buFont typeface="+mj-lt"/>
+              <a:buAutoNum type="arabicPeriod"/>
+            </a:pPr>
+            <a:endParaRPr lang="nl-NL" dirty="0"/>
+          </a:p>
+          <a:p>
+            <a:pPr marL="457200" indent="-457200">
+              <a:buFont typeface="+mj-lt"/>
+              <a:buAutoNum type="arabicPeriod"/>
+            </a:pPr>
+            <a:endParaRPr lang="nl-NL" dirty="0"/>
           </a:p>
         </p:txBody>
       </p:sp>
@@ -8375,7 +8501,7 @@
     </p:spTree>
     <p:extLst>
       <p:ext uri="{BB962C8B-B14F-4D97-AF65-F5344CB8AC3E}">
-        <p14:creationId xmlns:p14="http://schemas.microsoft.com/office/powerpoint/2010/main" val="3879953379"/>
+        <p14:creationId xmlns:p14="http://schemas.microsoft.com/office/powerpoint/2010/main" val="1174403562"/>
       </p:ext>
     </p:extLst>
   </p:cSld>
@@ -8432,14 +8558,14 @@
             <a:pPr algn="ctr"/>
             <a:r>
               <a:rPr lang="nl-NL" dirty="0" smtClean="0"/>
-              <a:t>Opgave 6:</a:t>
+              <a:t>Opgave 5:</a:t>
             </a:r>
           </a:p>
           <a:p>
             <a:pPr algn="ctr"/>
             <a:r>
               <a:rPr lang="nl-NL" dirty="0" smtClean="0"/>
-              <a:t>Klassen</a:t>
+              <a:t>Een module maken</a:t>
             </a:r>
           </a:p>
         </p:txBody>
@@ -8466,7 +8592,7 @@
     </p:spTree>
     <p:extLst>
       <p:ext uri="{BB962C8B-B14F-4D97-AF65-F5344CB8AC3E}">
-        <p14:creationId xmlns:p14="http://schemas.microsoft.com/office/powerpoint/2010/main" val="132080374"/>
+        <p14:creationId xmlns:p14="http://schemas.microsoft.com/office/powerpoint/2010/main" val="3879953379"/>
       </p:ext>
     </p:extLst>
   </p:cSld>
@@ -8647,6 +8773,97 @@
       </p:grpSpPr>
       <p:sp>
         <p:nvSpPr>
+          <p:cNvPr id="3" name="Tijdelijke aanduiding voor inhoud 2"/>
+          <p:cNvSpPr>
+            <a:spLocks noGrp="1"/>
+          </p:cNvSpPr>
+          <p:nvPr>
+            <p:ph sz="half" idx="1"/>
+          </p:nvPr>
+        </p:nvSpPr>
+        <p:spPr>
+          <a:xfrm>
+            <a:off x="-1937689" y="1826150"/>
+            <a:ext cx="13209588" cy="8218884"/>
+          </a:xfrm>
+        </p:spPr>
+        <p:txBody>
+          <a:bodyPr/>
+          <a:lstStyle/>
+          <a:p>
+            <a:pPr algn="ctr"/>
+            <a:r>
+              <a:rPr lang="nl-NL" dirty="0" smtClean="0"/>
+              <a:t>Opgave 6:</a:t>
+            </a:r>
+          </a:p>
+          <a:p>
+            <a:pPr algn="ctr"/>
+            <a:r>
+              <a:rPr lang="nl-NL" dirty="0" smtClean="0"/>
+              <a:t>Klassen</a:t>
+            </a:r>
+          </a:p>
+        </p:txBody>
+      </p:sp>
+      <p:sp>
+        <p:nvSpPr>
+          <p:cNvPr id="4" name="Tijdelijke aanduiding voor inhoud 3"/>
+          <p:cNvSpPr>
+            <a:spLocks noGrp="1"/>
+          </p:cNvSpPr>
+          <p:nvPr>
+            <p:ph sz="half" idx="2"/>
+          </p:nvPr>
+        </p:nvSpPr>
+        <p:spPr/>
+        <p:txBody>
+          <a:bodyPr/>
+          <a:lstStyle/>
+          <a:p>
+            <a:endParaRPr lang="en-GB"/>
+          </a:p>
+        </p:txBody>
+      </p:sp>
+    </p:spTree>
+    <p:extLst>
+      <p:ext uri="{BB962C8B-B14F-4D97-AF65-F5344CB8AC3E}">
+        <p14:creationId xmlns:p14="http://schemas.microsoft.com/office/powerpoint/2010/main" val="132080374"/>
+      </p:ext>
+    </p:extLst>
+  </p:cSld>
+  <p:clrMapOvr>
+    <a:masterClrMapping/>
+  </p:clrMapOvr>
+  <p:timing>
+    <p:tnLst>
+      <p:par>
+        <p:cTn id="1" dur="indefinite" restart="never" nodeType="tmRoot"/>
+      </p:par>
+    </p:tnLst>
+  </p:timing>
+</p:sld>
+</file>
+
+<file path=ppt/slides/slide21.xml><?xml version="1.0" encoding="utf-8"?>
+<p:sld xmlns:a="http://schemas.openxmlformats.org/drawingml/2006/main" xmlns:r="http://schemas.openxmlformats.org/officeDocument/2006/relationships" xmlns:p="http://schemas.openxmlformats.org/presentationml/2006/main">
+  <p:cSld>
+    <p:spTree>
+      <p:nvGrpSpPr>
+        <p:cNvPr id="1" name=""/>
+        <p:cNvGrpSpPr/>
+        <p:nvPr/>
+      </p:nvGrpSpPr>
+      <p:grpSpPr>
+        <a:xfrm>
+          <a:off x="0" y="0"/>
+          <a:ext cx="0" cy="0"/>
+          <a:chOff x="0" y="0"/>
+          <a:chExt cx="0" cy="0"/>
+        </a:xfrm>
+      </p:grpSpPr>
+      <p:sp>
+        <p:nvSpPr>
           <p:cNvPr id="2" name="Titel 1"/>
           <p:cNvSpPr>
             <a:spLocks noGrp="1"/>
@@ -8708,7 +8925,7 @@
 </p:sld>
 </file>
 
-<file path=ppt/slides/slide21.xml><?xml version="1.0" encoding="utf-8"?>
+<file path=ppt/slides/slide22.xml><?xml version="1.0" encoding="utf-8"?>
 <p:sld xmlns:a="http://schemas.openxmlformats.org/drawingml/2006/main" xmlns:r="http://schemas.openxmlformats.org/officeDocument/2006/relationships" xmlns:p="http://schemas.openxmlformats.org/presentationml/2006/main">
   <p:cSld>
     <p:spTree>
@@ -9586,6 +9803,29 @@
       </p:grpSpPr>
       <p:sp>
         <p:nvSpPr>
+          <p:cNvPr id="2" name="Titel 1"/>
+          <p:cNvSpPr>
+            <a:spLocks noGrp="1"/>
+          </p:cNvSpPr>
+          <p:nvPr>
+            <p:ph type="title"/>
+          </p:nvPr>
+        </p:nvSpPr>
+        <p:spPr/>
+        <p:txBody>
+          <a:bodyPr/>
+          <a:lstStyle/>
+          <a:p>
+            <a:r>
+              <a:rPr lang="nl-NL" dirty="0" smtClean="0"/>
+              <a:t>Cursusmateriaal</a:t>
+            </a:r>
+            <a:endParaRPr lang="nl-NL" dirty="0"/>
+          </a:p>
+        </p:txBody>
+      </p:sp>
+      <p:sp>
+        <p:nvSpPr>
           <p:cNvPr id="3" name="Tijdelijke aanduiding voor inhoud 2"/>
           <p:cNvSpPr>
             <a:spLocks noGrp="1"/>
@@ -9596,53 +9836,198 @@
         </p:nvSpPr>
         <p:spPr>
           <a:xfrm>
-            <a:off x="-1937689" y="1826150"/>
-            <a:ext cx="13209588" cy="8218884"/>
+            <a:off x="1073425" y="1063229"/>
+            <a:ext cx="7470500" cy="3165871"/>
           </a:xfrm>
         </p:spPr>
         <p:txBody>
           <a:bodyPr/>
           <a:lstStyle/>
           <a:p>
-            <a:pPr algn="ctr"/>
-            <a:r>
-              <a:rPr lang="nl-NL" dirty="0" smtClean="0"/>
-              <a:t>Opgave 1:</a:t>
-            </a:r>
-          </a:p>
-          <a:p>
-            <a:pPr algn="ctr"/>
-            <a:r>
-              <a:rPr lang="nl-NL" dirty="0" smtClean="0"/>
-              <a:t>Eerste kennismaking met Python</a:t>
-            </a:r>
-            <a:endParaRPr lang="en-GB" dirty="0"/>
-          </a:p>
-        </p:txBody>
-      </p:sp>
-      <p:sp>
-        <p:nvSpPr>
-          <p:cNvPr id="4" name="Tijdelijke aanduiding voor inhoud 3"/>
-          <p:cNvSpPr>
-            <a:spLocks noGrp="1"/>
-          </p:cNvSpPr>
-          <p:nvPr>
-            <p:ph sz="half" idx="2"/>
-          </p:nvPr>
-        </p:nvSpPr>
-        <p:spPr/>
-        <p:txBody>
-          <a:bodyPr/>
-          <a:lstStyle/>
-          <a:p>
-            <a:endParaRPr lang="en-GB"/>
+            <a:pPr marL="457200" indent="-457200">
+              <a:buFont typeface="+mj-lt"/>
+              <a:buAutoNum type="arabicPeriod"/>
+            </a:pPr>
+            <a:r>
+              <a:rPr lang="nl-NL" dirty="0" smtClean="0">
+                <a:solidFill>
+                  <a:schemeClr val="accent4">
+                    <a:lumMod val="75000"/>
+                  </a:schemeClr>
+                </a:solidFill>
+              </a:rPr>
+              <a:t>Ga naar </a:t>
+            </a:r>
+            <a:r>
+              <a:rPr lang="en-GB" dirty="0" smtClean="0">
+                <a:hlinkClick r:id="rId2"/>
+              </a:rPr>
+              <a:t>https</a:t>
+            </a:r>
+            <a:r>
+              <a:rPr lang="en-GB" dirty="0">
+                <a:hlinkClick r:id="rId2"/>
+              </a:rPr>
+              <a:t>://</a:t>
+            </a:r>
+            <a:r>
+              <a:rPr lang="en-GB" dirty="0" smtClean="0">
+                <a:hlinkClick r:id="rId2"/>
+              </a:rPr>
+              <a:t>github.com/SNStatComp/CoursePython4dev</a:t>
+            </a:r>
+            <a:endParaRPr lang="en-GB" dirty="0" smtClean="0"/>
+          </a:p>
+          <a:p>
+            <a:pPr marL="457200" indent="-457200">
+              <a:buFont typeface="+mj-lt"/>
+              <a:buAutoNum type="arabicPeriod"/>
+            </a:pPr>
+            <a:r>
+              <a:rPr lang="nl-NL" dirty="0" smtClean="0">
+                <a:solidFill>
+                  <a:schemeClr val="accent4">
+                    <a:lumMod val="75000"/>
+                  </a:schemeClr>
+                </a:solidFill>
+              </a:rPr>
+              <a:t>Klik "</a:t>
+            </a:r>
+            <a:r>
+              <a:rPr lang="nl-NL" dirty="0" err="1" smtClean="0">
+                <a:solidFill>
+                  <a:schemeClr val="accent4">
+                    <a:lumMod val="75000"/>
+                  </a:schemeClr>
+                </a:solidFill>
+              </a:rPr>
+              <a:t>Clone</a:t>
+            </a:r>
+            <a:r>
+              <a:rPr lang="nl-NL" dirty="0" smtClean="0">
+                <a:solidFill>
+                  <a:schemeClr val="accent4">
+                    <a:lumMod val="75000"/>
+                  </a:schemeClr>
+                </a:solidFill>
+              </a:rPr>
+              <a:t> or download"</a:t>
+            </a:r>
+          </a:p>
+          <a:p>
+            <a:pPr marL="457200" indent="-457200">
+              <a:buFont typeface="+mj-lt"/>
+              <a:buAutoNum type="arabicPeriod"/>
+            </a:pPr>
+            <a:r>
+              <a:rPr lang="nl-NL" dirty="0" smtClean="0">
+                <a:solidFill>
+                  <a:schemeClr val="accent4">
+                    <a:lumMod val="75000"/>
+                  </a:schemeClr>
+                </a:solidFill>
+              </a:rPr>
+              <a:t>Kies "Download ZIP"</a:t>
+            </a:r>
+          </a:p>
+          <a:p>
+            <a:pPr marL="457200" indent="-457200">
+              <a:buFont typeface="+mj-lt"/>
+              <a:buAutoNum type="arabicPeriod"/>
+            </a:pPr>
+            <a:r>
+              <a:rPr lang="nl-NL" dirty="0" smtClean="0">
+                <a:solidFill>
+                  <a:schemeClr val="accent4">
+                    <a:lumMod val="75000"/>
+                  </a:schemeClr>
+                </a:solidFill>
+              </a:rPr>
+              <a:t>ZIP uitpakken</a:t>
+            </a:r>
+          </a:p>
+          <a:p>
+            <a:pPr marL="457200" indent="-457200">
+              <a:buFont typeface="+mj-lt"/>
+              <a:buAutoNum type="arabicPeriod"/>
+            </a:pPr>
+            <a:endParaRPr lang="nl-NL" dirty="0">
+              <a:solidFill>
+                <a:schemeClr val="accent4">
+                  <a:lumMod val="75000"/>
+                </a:schemeClr>
+              </a:solidFill>
+            </a:endParaRPr>
+          </a:p>
+          <a:p>
+            <a:pPr marL="457200" indent="-457200">
+              <a:buFont typeface="+mj-lt"/>
+              <a:buAutoNum type="arabicPeriod"/>
+            </a:pPr>
+            <a:r>
+              <a:rPr lang="nl-NL" dirty="0" smtClean="0">
+                <a:solidFill>
+                  <a:schemeClr val="accent4">
+                    <a:lumMod val="75000"/>
+                  </a:schemeClr>
+                </a:solidFill>
+              </a:rPr>
+              <a:t>Of gebruik git om een </a:t>
+            </a:r>
+            <a:r>
+              <a:rPr lang="nl-NL" dirty="0" err="1" smtClean="0">
+                <a:solidFill>
+                  <a:schemeClr val="accent4">
+                    <a:lumMod val="75000"/>
+                  </a:schemeClr>
+                </a:solidFill>
+              </a:rPr>
+              <a:t>clone</a:t>
+            </a:r>
+            <a:r>
+              <a:rPr lang="nl-NL" dirty="0" smtClean="0">
+                <a:solidFill>
+                  <a:schemeClr val="accent4">
+                    <a:lumMod val="75000"/>
+                  </a:schemeClr>
+                </a:solidFill>
+              </a:rPr>
+              <a:t> van deze </a:t>
+            </a:r>
+            <a:r>
+              <a:rPr lang="nl-NL" dirty="0" err="1" smtClean="0">
+                <a:solidFill>
+                  <a:schemeClr val="accent4">
+                    <a:lumMod val="75000"/>
+                  </a:schemeClr>
+                </a:solidFill>
+              </a:rPr>
+              <a:t>repo</a:t>
+            </a:r>
+            <a:r>
+              <a:rPr lang="nl-NL" smtClean="0">
+                <a:solidFill>
+                  <a:schemeClr val="accent4">
+                    <a:lumMod val="75000"/>
+                  </a:schemeClr>
+                </a:solidFill>
+              </a:rPr>
+              <a:t> te maken</a:t>
+            </a:r>
+            <a:endParaRPr lang="nl-NL" dirty="0" smtClean="0">
+              <a:solidFill>
+                <a:schemeClr val="accent4">
+                  <a:lumMod val="75000"/>
+                </a:schemeClr>
+              </a:solidFill>
+            </a:endParaRPr>
           </a:p>
         </p:txBody>
       </p:sp>
     </p:spTree>
     <p:extLst>
       <p:ext uri="{BB962C8B-B14F-4D97-AF65-F5344CB8AC3E}">
-        <p14:creationId xmlns:p14="http://schemas.microsoft.com/office/powerpoint/2010/main" val="1708195492"/>
+        <p14:creationId xmlns:p14="http://schemas.microsoft.com/office/powerpoint/2010/main" val="1654055615"/>
       </p:ext>
     </p:extLst>
   </p:cSld>
@@ -9678,29 +10063,6 @@
       </p:grpSpPr>
       <p:sp>
         <p:nvSpPr>
-          <p:cNvPr id="2" name="Titel 1"/>
-          <p:cNvSpPr>
-            <a:spLocks noGrp="1"/>
-          </p:cNvSpPr>
-          <p:nvPr>
-            <p:ph type="title"/>
-          </p:nvPr>
-        </p:nvSpPr>
-        <p:spPr/>
-        <p:txBody>
-          <a:bodyPr/>
-          <a:lstStyle/>
-          <a:p>
-            <a:r>
-              <a:rPr lang="nl-NL" dirty="0" smtClean="0"/>
-              <a:t>Taalelementen van Python</a:t>
-            </a:r>
-            <a:endParaRPr lang="en-GB" dirty="0"/>
-          </a:p>
-        </p:txBody>
-      </p:sp>
-      <p:sp>
-        <p:nvSpPr>
           <p:cNvPr id="3" name="Tijdelijke aanduiding voor inhoud 2"/>
           <p:cNvSpPr>
             <a:spLocks noGrp="1"/>
@@ -9711,122 +10073,25 @@
         </p:nvSpPr>
         <p:spPr>
           <a:xfrm>
-            <a:off x="1021008" y="812448"/>
-            <a:ext cx="7884200" cy="3520760"/>
+            <a:off x="-1937689" y="1826150"/>
+            <a:ext cx="13209588" cy="8218884"/>
           </a:xfrm>
         </p:spPr>
         <p:txBody>
           <a:bodyPr/>
           <a:lstStyle/>
           <a:p>
-            <a:pPr marL="342900" indent="-342900">
-              <a:buFont typeface="Arial" panose="020B0604020202020204" pitchFamily="34" charset="0"/>
-              <a:buChar char="•"/>
-            </a:pPr>
+            <a:pPr algn="ctr"/>
             <a:r>
               <a:rPr lang="nl-NL" dirty="0" smtClean="0"/>
-              <a:t>Commentaar (#) en </a:t>
-            </a:r>
-            <a:r>
-              <a:rPr lang="nl-NL" dirty="0" err="1" smtClean="0"/>
-              <a:t>Docstrings</a:t>
-            </a:r>
+              <a:t>Opgave 1:</a:t>
+            </a:r>
+          </a:p>
+          <a:p>
+            <a:pPr algn="ctr"/>
             <a:r>
               <a:rPr lang="nl-NL" dirty="0" smtClean="0"/>
-              <a:t> (""" ... """)</a:t>
-            </a:r>
-          </a:p>
-          <a:p>
-            <a:pPr marL="342900" indent="-342900">
-              <a:buFont typeface="Arial" panose="020B0604020202020204" pitchFamily="34" charset="0"/>
-              <a:buChar char="•"/>
-            </a:pPr>
-            <a:r>
-              <a:rPr lang="nl-NL" dirty="0" smtClean="0"/>
-              <a:t>Whitespace bepaalt codeblokken</a:t>
-            </a:r>
-          </a:p>
-          <a:p>
-            <a:pPr marL="342900" indent="-342900">
-              <a:buFont typeface="Arial" panose="020B0604020202020204" pitchFamily="34" charset="0"/>
-              <a:buChar char="•"/>
-            </a:pPr>
-            <a:r>
-              <a:rPr lang="nl-NL" dirty="0" smtClean="0"/>
-              <a:t>Geen expliciete declaratie van variabelen</a:t>
-            </a:r>
-          </a:p>
-          <a:p>
-            <a:pPr marL="342900" indent="-342900">
-              <a:buFont typeface="Arial" panose="020B0604020202020204" pitchFamily="34" charset="0"/>
-              <a:buChar char="•"/>
-            </a:pPr>
-            <a:r>
-              <a:rPr lang="nl-NL" dirty="0" smtClean="0"/>
-              <a:t>Geen type-</a:t>
-            </a:r>
-            <a:r>
-              <a:rPr lang="nl-NL" dirty="0" err="1" smtClean="0"/>
-              <a:t>checking</a:t>
-            </a:r>
-            <a:r>
-              <a:rPr lang="nl-NL" dirty="0" smtClean="0"/>
-              <a:t> van parameters. "Duck </a:t>
-            </a:r>
-            <a:r>
-              <a:rPr lang="nl-NL" dirty="0" err="1" smtClean="0"/>
-              <a:t>typing</a:t>
-            </a:r>
-            <a:r>
-              <a:rPr lang="nl-NL" dirty="0" smtClean="0"/>
-              <a:t>."</a:t>
-            </a:r>
-          </a:p>
-          <a:p>
-            <a:pPr marL="342900" indent="-342900">
-              <a:buFont typeface="Arial" panose="020B0604020202020204" pitchFamily="34" charset="0"/>
-              <a:buChar char="•"/>
-            </a:pPr>
-            <a:r>
-              <a:rPr lang="nl-NL" dirty="0" smtClean="0"/>
-              <a:t>Functies en </a:t>
-            </a:r>
-            <a:r>
-              <a:rPr lang="nl-NL" dirty="0" err="1" smtClean="0"/>
-              <a:t>methods</a:t>
-            </a:r>
-            <a:endParaRPr lang="nl-NL" dirty="0" smtClean="0"/>
-          </a:p>
-          <a:p>
-            <a:pPr marL="342900" indent="-342900">
-              <a:buFont typeface="Arial" panose="020B0604020202020204" pitchFamily="34" charset="0"/>
-              <a:buChar char="•"/>
-            </a:pPr>
-            <a:r>
-              <a:rPr lang="nl-NL" dirty="0" smtClean="0"/>
-              <a:t>Ingebouwde collecties: list, </a:t>
-            </a:r>
-            <a:r>
-              <a:rPr lang="nl-NL" dirty="0" err="1" smtClean="0"/>
-              <a:t>dictionary</a:t>
-            </a:r>
-            <a:r>
-              <a:rPr lang="nl-NL" dirty="0" smtClean="0"/>
-              <a:t>, set, ...</a:t>
-            </a:r>
-          </a:p>
-          <a:p>
-            <a:pPr marL="342900" indent="-342900">
-              <a:buFont typeface="Arial" panose="020B0604020202020204" pitchFamily="34" charset="0"/>
-              <a:buChar char="•"/>
-            </a:pPr>
-            <a:r>
-              <a:rPr lang="nl-NL" dirty="0" err="1" smtClean="0"/>
-              <a:t>Namespaces</a:t>
-            </a:r>
-            <a:r>
-              <a:rPr lang="nl-NL" dirty="0" smtClean="0"/>
-              <a:t> en modules</a:t>
+              <a:t>Eerste kennismaking met Python</a:t>
             </a:r>
             <a:endParaRPr lang="en-GB" dirty="0"/>
           </a:p>
@@ -9854,7 +10119,7 @@
     </p:spTree>
     <p:extLst>
       <p:ext uri="{BB962C8B-B14F-4D97-AF65-F5344CB8AC3E}">
-        <p14:creationId xmlns:p14="http://schemas.microsoft.com/office/powerpoint/2010/main" val="4022970726"/>
+        <p14:creationId xmlns:p14="http://schemas.microsoft.com/office/powerpoint/2010/main" val="1708195492"/>
       </p:ext>
     </p:extLst>
   </p:cSld>
@@ -9898,23 +10163,14 @@
             <p:ph type="title"/>
           </p:nvPr>
         </p:nvSpPr>
-        <p:spPr>
-          <a:xfrm>
-            <a:off x="1073425" y="205979"/>
-            <a:ext cx="7613375" cy="533695"/>
-          </a:xfrm>
-        </p:spPr>
-        <p:txBody>
-          <a:bodyPr/>
-          <a:lstStyle/>
-          <a:p>
-            <a:r>
-              <a:rPr lang="nl-NL" dirty="0" err="1" smtClean="0"/>
-              <a:t>Jupyter</a:t>
-            </a:r>
+        <p:spPr/>
+        <p:txBody>
+          <a:bodyPr/>
+          <a:lstStyle/>
+          <a:p>
             <a:r>
               <a:rPr lang="nl-NL" dirty="0" smtClean="0"/>
-              <a:t> notebook</a:t>
+              <a:t>Taalelementen van Python</a:t>
             </a:r>
             <a:endParaRPr lang="en-GB" dirty="0"/>
           </a:p>
@@ -9940,116 +10196,116 @@
           <a:bodyPr/>
           <a:lstStyle/>
           <a:p>
-            <a:r>
-              <a:rPr lang="nl-NL" sz="2400" dirty="0" err="1" smtClean="0"/>
-              <a:t>Jupyter</a:t>
-            </a:r>
-            <a:r>
-              <a:rPr lang="nl-NL" sz="2400" dirty="0" smtClean="0"/>
-              <a:t> notebook = interactieve Python code editor</a:t>
-            </a:r>
-          </a:p>
-          <a:p>
-            <a:endParaRPr lang="nl-NL" sz="2400" dirty="0" smtClean="0"/>
-          </a:p>
-          <a:p>
-            <a:pPr marL="457200" indent="-457200">
-              <a:buFont typeface="+mj-lt"/>
-              <a:buAutoNum type="arabicPeriod"/>
+            <a:pPr marL="342900" indent="-342900">
+              <a:buFont typeface="Arial" panose="020B0604020202020204" pitchFamily="34" charset="0"/>
+              <a:buChar char="•"/>
             </a:pPr>
             <a:r>
-              <a:rPr lang="nl-NL" sz="2400" dirty="0" smtClean="0"/>
-              <a:t>Open een </a:t>
-            </a:r>
-            <a:r>
-              <a:rPr lang="nl-NL" sz="2400" dirty="0" err="1" smtClean="0"/>
-              <a:t>command</a:t>
-            </a:r>
-            <a:r>
-              <a:rPr lang="nl-NL" sz="2400" dirty="0" smtClean="0"/>
-              <a:t> prompt</a:t>
-            </a:r>
-          </a:p>
-          <a:p>
-            <a:pPr marL="457200" indent="-457200">
-              <a:buFont typeface="+mj-lt"/>
-              <a:buAutoNum type="arabicPeriod"/>
+              <a:rPr lang="nl-NL" dirty="0" smtClean="0"/>
+              <a:t>Commentaar (#) en </a:t>
+            </a:r>
+            <a:r>
+              <a:rPr lang="nl-NL" dirty="0" err="1" smtClean="0"/>
+              <a:t>Docstrings</a:t>
+            </a:r>
+            <a:r>
+              <a:rPr lang="nl-NL" dirty="0" smtClean="0"/>
+              <a:t> (""" ... """)</a:t>
+            </a:r>
+          </a:p>
+          <a:p>
+            <a:pPr marL="342900" indent="-342900">
+              <a:buFont typeface="Arial" panose="020B0604020202020204" pitchFamily="34" charset="0"/>
+              <a:buChar char="•"/>
             </a:pPr>
             <a:r>
-              <a:rPr lang="nl-NL" sz="2400" dirty="0" smtClean="0"/>
-              <a:t>Typ in: "</a:t>
-            </a:r>
-            <a:r>
-              <a:rPr lang="nl-NL" sz="2400" dirty="0" err="1" smtClean="0"/>
-              <a:t>jupyter</a:t>
-            </a:r>
-            <a:r>
-              <a:rPr lang="nl-NL" sz="2400" dirty="0" smtClean="0"/>
-              <a:t> notebook"</a:t>
-            </a:r>
-          </a:p>
-          <a:p>
-            <a:pPr marL="457200" indent="-457200">
-              <a:buFont typeface="+mj-lt"/>
-              <a:buAutoNum type="arabicPeriod"/>
+              <a:rPr lang="nl-NL" dirty="0" smtClean="0"/>
+              <a:t>Whitespace bepaalt codeblokken</a:t>
+            </a:r>
+          </a:p>
+          <a:p>
+            <a:pPr marL="342900" indent="-342900">
+              <a:buFont typeface="Arial" panose="020B0604020202020204" pitchFamily="34" charset="0"/>
+              <a:buChar char="•"/>
             </a:pPr>
             <a:r>
-              <a:rPr lang="nl-NL" sz="2400" dirty="0" err="1" smtClean="0"/>
-              <a:t>Jupyter</a:t>
-            </a:r>
-            <a:r>
-              <a:rPr lang="nl-NL" sz="2400" dirty="0" smtClean="0"/>
-              <a:t> notebook opent in je browser</a:t>
-            </a:r>
-          </a:p>
-          <a:p>
-            <a:pPr marL="457200" indent="-457200">
-              <a:buFont typeface="+mj-lt"/>
-              <a:buAutoNum type="arabicPeriod"/>
+              <a:rPr lang="nl-NL" dirty="0" smtClean="0"/>
+              <a:t>Geen expliciete declaratie van variabelen</a:t>
+            </a:r>
+          </a:p>
+          <a:p>
+            <a:pPr marL="342900" indent="-342900">
+              <a:buFont typeface="Arial" panose="020B0604020202020204" pitchFamily="34" charset="0"/>
+              <a:buChar char="•"/>
             </a:pPr>
-            <a:endParaRPr lang="nl-NL" sz="2400" dirty="0" smtClean="0"/>
-          </a:p>
-          <a:p>
-            <a:r>
-              <a:rPr lang="nl-NL" sz="2400" dirty="0" smtClean="0"/>
-              <a:t>Of:</a:t>
-            </a:r>
-          </a:p>
-          <a:p>
-            <a:r>
-              <a:rPr lang="nl-NL" sz="2400" dirty="0" smtClean="0"/>
-              <a:t>Kies "</a:t>
-            </a:r>
-            <a:r>
-              <a:rPr lang="nl-NL" sz="2400" dirty="0" err="1" smtClean="0"/>
-              <a:t>Jupyter</a:t>
-            </a:r>
-            <a:r>
-              <a:rPr lang="nl-NL" sz="2400" dirty="0" smtClean="0"/>
-              <a:t> Notebook" onder Anaconda3 in start menu</a:t>
-            </a:r>
-            <a:endParaRPr lang="nl-NL" sz="2400" dirty="0"/>
-          </a:p>
-          <a:p>
-            <a:pPr marL="457200" indent="-457200">
-              <a:buFont typeface="+mj-lt"/>
-              <a:buAutoNum type="arabicPeriod"/>
+            <a:r>
+              <a:rPr lang="nl-NL" dirty="0" smtClean="0"/>
+              <a:t>Geen type-</a:t>
+            </a:r>
+            <a:r>
+              <a:rPr lang="nl-NL" dirty="0" err="1" smtClean="0"/>
+              <a:t>checking</a:t>
+            </a:r>
+            <a:r>
+              <a:rPr lang="nl-NL" dirty="0" smtClean="0"/>
+              <a:t> van parameters. "Duck </a:t>
+            </a:r>
+            <a:r>
+              <a:rPr lang="nl-NL" dirty="0" err="1" smtClean="0"/>
+              <a:t>typing</a:t>
+            </a:r>
+            <a:r>
+              <a:rPr lang="nl-NL" dirty="0" smtClean="0"/>
+              <a:t>."</a:t>
+            </a:r>
+          </a:p>
+          <a:p>
+            <a:pPr marL="342900" indent="-342900">
+              <a:buFont typeface="Arial" panose="020B0604020202020204" pitchFamily="34" charset="0"/>
+              <a:buChar char="•"/>
             </a:pPr>
+            <a:r>
+              <a:rPr lang="nl-NL" dirty="0" smtClean="0"/>
+              <a:t>Functies en </a:t>
+            </a:r>
+            <a:r>
+              <a:rPr lang="nl-NL" dirty="0" err="1" smtClean="0"/>
+              <a:t>methods</a:t>
+            </a:r>
             <a:endParaRPr lang="nl-NL" dirty="0" smtClean="0"/>
           </a:p>
           <a:p>
-            <a:pPr marL="457200" indent="-457200">
-              <a:buFont typeface="+mj-lt"/>
-              <a:buAutoNum type="arabicPeriod"/>
+            <a:pPr marL="342900" indent="-342900">
+              <a:buFont typeface="Arial" panose="020B0604020202020204" pitchFamily="34" charset="0"/>
+              <a:buChar char="•"/>
             </a:pPr>
-            <a:endParaRPr lang="nl-NL" dirty="0"/>
-          </a:p>
-          <a:p>
-            <a:pPr marL="457200" indent="-457200">
-              <a:buFont typeface="+mj-lt"/>
-              <a:buAutoNum type="arabicPeriod"/>
+            <a:r>
+              <a:rPr lang="nl-NL" dirty="0" smtClean="0"/>
+              <a:t>Ingebouwde collecties: list, </a:t>
+            </a:r>
+            <a:r>
+              <a:rPr lang="nl-NL" dirty="0" err="1" smtClean="0"/>
+              <a:t>dictionary</a:t>
+            </a:r>
+            <a:r>
+              <a:rPr lang="nl-NL" dirty="0" smtClean="0"/>
+              <a:t>, set, ...</a:t>
+            </a:r>
+          </a:p>
+          <a:p>
+            <a:pPr marL="342900" indent="-342900">
+              <a:buFont typeface="Arial" panose="020B0604020202020204" pitchFamily="34" charset="0"/>
+              <a:buChar char="•"/>
             </a:pPr>
-            <a:endParaRPr lang="nl-NL" dirty="0"/>
+            <a:r>
+              <a:rPr lang="nl-NL" dirty="0" err="1" smtClean="0"/>
+              <a:t>Namespaces</a:t>
+            </a:r>
+            <a:r>
+              <a:rPr lang="nl-NL" dirty="0" smtClean="0"/>
+              <a:t> en modules</a:t>
+            </a:r>
+            <a:endParaRPr lang="en-GB" dirty="0"/>
           </a:p>
         </p:txBody>
       </p:sp>
@@ -10075,7 +10331,7 @@
     </p:spTree>
     <p:extLst>
       <p:ext uri="{BB962C8B-B14F-4D97-AF65-F5344CB8AC3E}">
-        <p14:creationId xmlns:p14="http://schemas.microsoft.com/office/powerpoint/2010/main" val="1089052543"/>
+        <p14:creationId xmlns:p14="http://schemas.microsoft.com/office/powerpoint/2010/main" val="4022970726"/>
       </p:ext>
     </p:extLst>
   </p:cSld>
@@ -10667,7 +10923,7 @@
   <a:extraClrSchemeLst/>
   <a:extLst>
     <a:ext uri="{05A4C25C-085E-4340-85A3-A5531E510DB2}">
-      <thm15:themeFamily xmlns="" xmlns:thm15="http://schemas.microsoft.com/office/thememl/2012/main" name="Office Theme" id="{62F939B6-93AF-4DB8-9C6B-D6C7DFDC589F}" vid="{4A3C46E8-61CC-4603-A589-7422A47A8E4A}"/>
+      <thm15:themeFamily xmlns:thm15="http://schemas.microsoft.com/office/thememl/2012/main" xmlns="" name="Office Theme" id="{62F939B6-93AF-4DB8-9C6B-D6C7DFDC589F}" vid="{4A3C46E8-61CC-4603-A589-7422A47A8E4A}"/>
     </a:ext>
   </a:extLst>
 </a:theme>
@@ -11248,7 +11504,7 @@
   <a:extraClrSchemeLst/>
   <a:extLst>
     <a:ext uri="{05A4C25C-085E-4340-85A3-A5531E510DB2}">
-      <thm15:themeFamily xmlns="" xmlns:thm15="http://schemas.microsoft.com/office/thememl/2012/main" name="Office Theme" id="{62F939B6-93AF-4DB8-9C6B-D6C7DFDC589F}" vid="{4A3C46E8-61CC-4603-A589-7422A47A8E4A}"/>
+      <thm15:themeFamily xmlns:thm15="http://schemas.microsoft.com/office/thememl/2012/main" xmlns="" name="Office Theme" id="{62F939B6-93AF-4DB8-9C6B-D6C7DFDC589F}" vid="{4A3C46E8-61CC-4603-A589-7422A47A8E4A}"/>
     </a:ext>
   </a:extLst>
 </a:theme>
